--- a/presentation/slides_peppermint.pptx
+++ b/presentation/slides_peppermint.pptx
@@ -3077,7 +3077,7 @@
         </p:nvSpPr>
         <p:spPr>
           <a:xfrm>
-            <a:off x="4483871" y="4663283"/>
+            <a:off x="3745742" y="4663283"/>
             <a:ext cx="7039778" cy="769441"/>
           </a:xfrm>
           <a:prstGeom prst="rect">
